--- a/diagrams/present.pptx
+++ b/diagrams/present.pptx
@@ -13,10 +13,11 @@
     <p:sldId id="261" r:id="rId7"/>
     <p:sldId id="267" r:id="rId8"/>
     <p:sldId id="262" r:id="rId9"/>
-    <p:sldId id="263" r:id="rId10"/>
-    <p:sldId id="264" r:id="rId11"/>
-    <p:sldId id="265" r:id="rId12"/>
-    <p:sldId id="266" r:id="rId13"/>
+    <p:sldId id="268" r:id="rId10"/>
+    <p:sldId id="263" r:id="rId11"/>
+    <p:sldId id="264" r:id="rId12"/>
+    <p:sldId id="265" r:id="rId13"/>
+    <p:sldId id="266" r:id="rId14"/>
   </p:sldIdLst>
   <p:sldSz cx="12192000" cy="6858000"/>
   <p:notesSz cx="6858000" cy="9144000"/>
@@ -270,7 +271,7 @@
           <a:p>
             <a:fld id="{E31817E8-5FEA-425B-8950-3DFC6E0DC058}" type="datetimeFigureOut">
               <a:rPr lang="en-US" smtClean="0"/>
-              <a:t>2024-01-12</a:t>
+              <a:t>2024-01-13</a:t>
             </a:fld>
             <a:endParaRPr lang="en-US"/>
           </a:p>
@@ -468,7 +469,7 @@
           <a:p>
             <a:fld id="{E31817E8-5FEA-425B-8950-3DFC6E0DC058}" type="datetimeFigureOut">
               <a:rPr lang="en-US" smtClean="0"/>
-              <a:t>2024-01-12</a:t>
+              <a:t>2024-01-13</a:t>
             </a:fld>
             <a:endParaRPr lang="en-US"/>
           </a:p>
@@ -676,7 +677,7 @@
           <a:p>
             <a:fld id="{E31817E8-5FEA-425B-8950-3DFC6E0DC058}" type="datetimeFigureOut">
               <a:rPr lang="en-US" smtClean="0"/>
-              <a:t>2024-01-12</a:t>
+              <a:t>2024-01-13</a:t>
             </a:fld>
             <a:endParaRPr lang="en-US"/>
           </a:p>
@@ -874,7 +875,7 @@
           <a:p>
             <a:fld id="{E31817E8-5FEA-425B-8950-3DFC6E0DC058}" type="datetimeFigureOut">
               <a:rPr lang="en-US" smtClean="0"/>
-              <a:t>2024-01-12</a:t>
+              <a:t>2024-01-13</a:t>
             </a:fld>
             <a:endParaRPr lang="en-US"/>
           </a:p>
@@ -1149,7 +1150,7 @@
           <a:p>
             <a:fld id="{E31817E8-5FEA-425B-8950-3DFC6E0DC058}" type="datetimeFigureOut">
               <a:rPr lang="en-US" smtClean="0"/>
-              <a:t>2024-01-12</a:t>
+              <a:t>2024-01-13</a:t>
             </a:fld>
             <a:endParaRPr lang="en-US"/>
           </a:p>
@@ -1414,7 +1415,7 @@
           <a:p>
             <a:fld id="{E31817E8-5FEA-425B-8950-3DFC6E0DC058}" type="datetimeFigureOut">
               <a:rPr lang="en-US" smtClean="0"/>
-              <a:t>2024-01-12</a:t>
+              <a:t>2024-01-13</a:t>
             </a:fld>
             <a:endParaRPr lang="en-US"/>
           </a:p>
@@ -1826,7 +1827,7 @@
           <a:p>
             <a:fld id="{E31817E8-5FEA-425B-8950-3DFC6E0DC058}" type="datetimeFigureOut">
               <a:rPr lang="en-US" smtClean="0"/>
-              <a:t>2024-01-12</a:t>
+              <a:t>2024-01-13</a:t>
             </a:fld>
             <a:endParaRPr lang="en-US"/>
           </a:p>
@@ -1967,7 +1968,7 @@
           <a:p>
             <a:fld id="{E31817E8-5FEA-425B-8950-3DFC6E0DC058}" type="datetimeFigureOut">
               <a:rPr lang="en-US" smtClean="0"/>
-              <a:t>2024-01-12</a:t>
+              <a:t>2024-01-13</a:t>
             </a:fld>
             <a:endParaRPr lang="en-US"/>
           </a:p>
@@ -2080,7 +2081,7 @@
           <a:p>
             <a:fld id="{E31817E8-5FEA-425B-8950-3DFC6E0DC058}" type="datetimeFigureOut">
               <a:rPr lang="en-US" smtClean="0"/>
-              <a:t>2024-01-12</a:t>
+              <a:t>2024-01-13</a:t>
             </a:fld>
             <a:endParaRPr lang="en-US"/>
           </a:p>
@@ -2391,7 +2392,7 @@
           <a:p>
             <a:fld id="{E31817E8-5FEA-425B-8950-3DFC6E0DC058}" type="datetimeFigureOut">
               <a:rPr lang="en-US" smtClean="0"/>
-              <a:t>2024-01-12</a:t>
+              <a:t>2024-01-13</a:t>
             </a:fld>
             <a:endParaRPr lang="en-US"/>
           </a:p>
@@ -2679,7 +2680,7 @@
           <a:p>
             <a:fld id="{E31817E8-5FEA-425B-8950-3DFC6E0DC058}" type="datetimeFigureOut">
               <a:rPr lang="en-US" smtClean="0"/>
-              <a:t>2024-01-12</a:t>
+              <a:t>2024-01-13</a:t>
             </a:fld>
             <a:endParaRPr lang="en-US"/>
           </a:p>
@@ -2920,7 +2921,7 @@
           <a:p>
             <a:fld id="{E31817E8-5FEA-425B-8950-3DFC6E0DC058}" type="datetimeFigureOut">
               <a:rPr lang="en-US" smtClean="0"/>
-              <a:t>2024-01-12</a:t>
+              <a:t>2024-01-13</a:t>
             </a:fld>
             <a:endParaRPr lang="en-US"/>
           </a:p>
@@ -3428,7 +3429,7 @@
           <p:cNvPr id="3" name="Picture 2">
             <a:extLst>
               <a:ext uri="{FF2B5EF4-FFF2-40B4-BE49-F238E27FC236}">
-                <a16:creationId xmlns:a16="http://schemas.microsoft.com/office/drawing/2014/main" id="{08AB6677-8295-9B0A-F857-C54572DD697E}"/>
+                <a16:creationId xmlns:a16="http://schemas.microsoft.com/office/drawing/2014/main" id="{4BAB73DD-EAF5-F494-3664-956ACE8A7B72}"/>
               </a:ext>
             </a:extLst>
           </p:cNvPr>
@@ -3451,8 +3452,8 @@
         </p:blipFill>
         <p:spPr>
           <a:xfrm>
-            <a:off x="1193548" y="647557"/>
-            <a:ext cx="9804904" cy="5562886"/>
+            <a:off x="687805" y="0"/>
+            <a:ext cx="10816390" cy="6858000"/>
           </a:xfrm>
           <a:prstGeom prst="rect">
             <a:avLst/>
@@ -3462,7 +3463,7 @@
     </p:spTree>
     <p:extLst>
       <p:ext uri="{BB962C8B-B14F-4D97-AF65-F5344CB8AC3E}">
-        <p14:creationId xmlns:p14="http://schemas.microsoft.com/office/powerpoint/2010/main" val="1365870173"/>
+        <p14:creationId xmlns:p14="http://schemas.microsoft.com/office/powerpoint/2010/main" val="4207472824"/>
       </p:ext>
     </p:extLst>
   </p:cSld>
@@ -3494,6 +3495,72 @@
           <p:cNvPr id="3" name="Picture 2">
             <a:extLst>
               <a:ext uri="{FF2B5EF4-FFF2-40B4-BE49-F238E27FC236}">
+                <a16:creationId xmlns:a16="http://schemas.microsoft.com/office/drawing/2014/main" id="{08AB6677-8295-9B0A-F857-C54572DD697E}"/>
+              </a:ext>
+            </a:extLst>
+          </p:cNvPr>
+          <p:cNvPicPr>
+            <a:picLocks noChangeAspect="1"/>
+          </p:cNvPicPr>
+          <p:nvPr/>
+        </p:nvPicPr>
+        <p:blipFill>
+          <a:blip r:embed="rId2">
+            <a:extLst>
+              <a:ext uri="{28A0092B-C50C-407E-A947-70E740481C1C}">
+                <a14:useLocalDpi xmlns:a14="http://schemas.microsoft.com/office/drawing/2010/main" val="0"/>
+              </a:ext>
+            </a:extLst>
+          </a:blip>
+          <a:stretch>
+            <a:fillRect/>
+          </a:stretch>
+        </p:blipFill>
+        <p:spPr>
+          <a:xfrm>
+            <a:off x="1193548" y="647557"/>
+            <a:ext cx="9804904" cy="5562886"/>
+          </a:xfrm>
+          <a:prstGeom prst="rect">
+            <a:avLst/>
+          </a:prstGeom>
+        </p:spPr>
+      </p:pic>
+    </p:spTree>
+    <p:extLst>
+      <p:ext uri="{BB962C8B-B14F-4D97-AF65-F5344CB8AC3E}">
+        <p14:creationId xmlns:p14="http://schemas.microsoft.com/office/powerpoint/2010/main" val="1365870173"/>
+      </p:ext>
+    </p:extLst>
+  </p:cSld>
+  <p:clrMapOvr>
+    <a:masterClrMapping/>
+  </p:clrMapOvr>
+</p:sld>
+</file>
+
+<file path=ppt/slides/slide12.xml><?xml version="1.0" encoding="utf-8"?>
+<p:sld xmlns:a="http://schemas.openxmlformats.org/drawingml/2006/main" xmlns:r="http://schemas.openxmlformats.org/officeDocument/2006/relationships" xmlns:p="http://schemas.openxmlformats.org/presentationml/2006/main">
+  <p:cSld>
+    <p:spTree>
+      <p:nvGrpSpPr>
+        <p:cNvPr id="1" name=""/>
+        <p:cNvGrpSpPr/>
+        <p:nvPr/>
+      </p:nvGrpSpPr>
+      <p:grpSpPr>
+        <a:xfrm>
+          <a:off x="0" y="0"/>
+          <a:ext cx="0" cy="0"/>
+          <a:chOff x="0" y="0"/>
+          <a:chExt cx="0" cy="0"/>
+        </a:xfrm>
+      </p:grpSpPr>
+      <p:pic>
+        <p:nvPicPr>
+          <p:cNvPr id="3" name="Picture 2">
+            <a:extLst>
+              <a:ext uri="{FF2B5EF4-FFF2-40B4-BE49-F238E27FC236}">
                 <a16:creationId xmlns:a16="http://schemas.microsoft.com/office/drawing/2014/main" id="{9E3BBDE7-911E-F032-83B7-AA78EC3C758C}"/>
               </a:ext>
             </a:extLst>
@@ -3538,7 +3605,7 @@
 </p:sld>
 </file>
 
-<file path=ppt/slides/slide12.xml><?xml version="1.0" encoding="utf-8"?>
+<file path=ppt/slides/slide13.xml><?xml version="1.0" encoding="utf-8"?>
 <p:sld xmlns:a="http://schemas.openxmlformats.org/drawingml/2006/main" xmlns:r="http://schemas.openxmlformats.org/officeDocument/2006/relationships" xmlns:p="http://schemas.openxmlformats.org/presentationml/2006/main">
   <p:cSld>
     <p:spTree>
@@ -4085,10 +4152,10 @@
       </p:grpSpPr>
       <p:pic>
         <p:nvPicPr>
-          <p:cNvPr id="3" name="Picture 2">
-            <a:extLst>
-              <a:ext uri="{FF2B5EF4-FFF2-40B4-BE49-F238E27FC236}">
-                <a16:creationId xmlns:a16="http://schemas.microsoft.com/office/drawing/2014/main" id="{4BAB73DD-EAF5-F494-3664-956ACE8A7B72}"/>
+          <p:cNvPr id="4" name="Picture 3">
+            <a:extLst>
+              <a:ext uri="{FF2B5EF4-FFF2-40B4-BE49-F238E27FC236}">
+                <a16:creationId xmlns:a16="http://schemas.microsoft.com/office/drawing/2014/main" id="{F1C58BF6-D465-F85E-746C-41692E1ADCBA}"/>
               </a:ext>
             </a:extLst>
           </p:cNvPr>
@@ -4111,8 +4178,8 @@
         </p:blipFill>
         <p:spPr>
           <a:xfrm>
-            <a:off x="687805" y="0"/>
-            <a:ext cx="10816390" cy="6858000"/>
+            <a:off x="133043" y="28400"/>
+            <a:ext cx="11925913" cy="6801200"/>
           </a:xfrm>
           <a:prstGeom prst="rect">
             <a:avLst/>
@@ -4122,7 +4189,7 @@
     </p:spTree>
     <p:extLst>
       <p:ext uri="{BB962C8B-B14F-4D97-AF65-F5344CB8AC3E}">
-        <p14:creationId xmlns:p14="http://schemas.microsoft.com/office/powerpoint/2010/main" val="4207472824"/>
+        <p14:creationId xmlns:p14="http://schemas.microsoft.com/office/powerpoint/2010/main" val="1688274090"/>
       </p:ext>
     </p:extLst>
   </p:cSld>

--- a/diagrams/present.pptx
+++ b/diagrams/present.pptx
@@ -14,10 +14,11 @@
     <p:sldId id="267" r:id="rId8"/>
     <p:sldId id="262" r:id="rId9"/>
     <p:sldId id="268" r:id="rId10"/>
-    <p:sldId id="263" r:id="rId11"/>
-    <p:sldId id="264" r:id="rId12"/>
-    <p:sldId id="265" r:id="rId13"/>
-    <p:sldId id="266" r:id="rId14"/>
+    <p:sldId id="269" r:id="rId11"/>
+    <p:sldId id="263" r:id="rId12"/>
+    <p:sldId id="264" r:id="rId13"/>
+    <p:sldId id="265" r:id="rId14"/>
+    <p:sldId id="266" r:id="rId15"/>
   </p:sldIdLst>
   <p:sldSz cx="12192000" cy="6858000"/>
   <p:notesSz cx="6858000" cy="9144000"/>
@@ -3429,7 +3430,7 @@
           <p:cNvPr id="3" name="Picture 2">
             <a:extLst>
               <a:ext uri="{FF2B5EF4-FFF2-40B4-BE49-F238E27FC236}">
-                <a16:creationId xmlns:a16="http://schemas.microsoft.com/office/drawing/2014/main" id="{4BAB73DD-EAF5-F494-3664-956ACE8A7B72}"/>
+                <a16:creationId xmlns:a16="http://schemas.microsoft.com/office/drawing/2014/main" id="{5F754ACE-8B64-0935-4C0B-A0C3A3DDA9A1}"/>
               </a:ext>
             </a:extLst>
           </p:cNvPr>
@@ -3452,8 +3453,8 @@
         </p:blipFill>
         <p:spPr>
           <a:xfrm>
-            <a:off x="687805" y="0"/>
-            <a:ext cx="10816390" cy="6858000"/>
+            <a:off x="2546167" y="1104780"/>
+            <a:ext cx="7099665" cy="4648439"/>
           </a:xfrm>
           <a:prstGeom prst="rect">
             <a:avLst/>
@@ -3463,7 +3464,7 @@
     </p:spTree>
     <p:extLst>
       <p:ext uri="{BB962C8B-B14F-4D97-AF65-F5344CB8AC3E}">
-        <p14:creationId xmlns:p14="http://schemas.microsoft.com/office/powerpoint/2010/main" val="4207472824"/>
+        <p14:creationId xmlns:p14="http://schemas.microsoft.com/office/powerpoint/2010/main" val="3235250665"/>
       </p:ext>
     </p:extLst>
   </p:cSld>
@@ -3495,7 +3496,7 @@
           <p:cNvPr id="3" name="Picture 2">
             <a:extLst>
               <a:ext uri="{FF2B5EF4-FFF2-40B4-BE49-F238E27FC236}">
-                <a16:creationId xmlns:a16="http://schemas.microsoft.com/office/drawing/2014/main" id="{08AB6677-8295-9B0A-F857-C54572DD697E}"/>
+                <a16:creationId xmlns:a16="http://schemas.microsoft.com/office/drawing/2014/main" id="{4BAB73DD-EAF5-F494-3664-956ACE8A7B72}"/>
               </a:ext>
             </a:extLst>
           </p:cNvPr>
@@ -3518,8 +3519,8 @@
         </p:blipFill>
         <p:spPr>
           <a:xfrm>
-            <a:off x="1193548" y="647557"/>
-            <a:ext cx="9804904" cy="5562886"/>
+            <a:off x="687805" y="0"/>
+            <a:ext cx="10816390" cy="6858000"/>
           </a:xfrm>
           <a:prstGeom prst="rect">
             <a:avLst/>
@@ -3529,7 +3530,7 @@
     </p:spTree>
     <p:extLst>
       <p:ext uri="{BB962C8B-B14F-4D97-AF65-F5344CB8AC3E}">
-        <p14:creationId xmlns:p14="http://schemas.microsoft.com/office/powerpoint/2010/main" val="1365870173"/>
+        <p14:creationId xmlns:p14="http://schemas.microsoft.com/office/powerpoint/2010/main" val="4207472824"/>
       </p:ext>
     </p:extLst>
   </p:cSld>
@@ -3561,6 +3562,72 @@
           <p:cNvPr id="3" name="Picture 2">
             <a:extLst>
               <a:ext uri="{FF2B5EF4-FFF2-40B4-BE49-F238E27FC236}">
+                <a16:creationId xmlns:a16="http://schemas.microsoft.com/office/drawing/2014/main" id="{08AB6677-8295-9B0A-F857-C54572DD697E}"/>
+              </a:ext>
+            </a:extLst>
+          </p:cNvPr>
+          <p:cNvPicPr>
+            <a:picLocks noChangeAspect="1"/>
+          </p:cNvPicPr>
+          <p:nvPr/>
+        </p:nvPicPr>
+        <p:blipFill>
+          <a:blip r:embed="rId2">
+            <a:extLst>
+              <a:ext uri="{28A0092B-C50C-407E-A947-70E740481C1C}">
+                <a14:useLocalDpi xmlns:a14="http://schemas.microsoft.com/office/drawing/2010/main" val="0"/>
+              </a:ext>
+            </a:extLst>
+          </a:blip>
+          <a:stretch>
+            <a:fillRect/>
+          </a:stretch>
+        </p:blipFill>
+        <p:spPr>
+          <a:xfrm>
+            <a:off x="1193548" y="647557"/>
+            <a:ext cx="9804904" cy="5562886"/>
+          </a:xfrm>
+          <a:prstGeom prst="rect">
+            <a:avLst/>
+          </a:prstGeom>
+        </p:spPr>
+      </p:pic>
+    </p:spTree>
+    <p:extLst>
+      <p:ext uri="{BB962C8B-B14F-4D97-AF65-F5344CB8AC3E}">
+        <p14:creationId xmlns:p14="http://schemas.microsoft.com/office/powerpoint/2010/main" val="1365870173"/>
+      </p:ext>
+    </p:extLst>
+  </p:cSld>
+  <p:clrMapOvr>
+    <a:masterClrMapping/>
+  </p:clrMapOvr>
+</p:sld>
+</file>
+
+<file path=ppt/slides/slide13.xml><?xml version="1.0" encoding="utf-8"?>
+<p:sld xmlns:a="http://schemas.openxmlformats.org/drawingml/2006/main" xmlns:r="http://schemas.openxmlformats.org/officeDocument/2006/relationships" xmlns:p="http://schemas.openxmlformats.org/presentationml/2006/main">
+  <p:cSld>
+    <p:spTree>
+      <p:nvGrpSpPr>
+        <p:cNvPr id="1" name=""/>
+        <p:cNvGrpSpPr/>
+        <p:nvPr/>
+      </p:nvGrpSpPr>
+      <p:grpSpPr>
+        <a:xfrm>
+          <a:off x="0" y="0"/>
+          <a:ext cx="0" cy="0"/>
+          <a:chOff x="0" y="0"/>
+          <a:chExt cx="0" cy="0"/>
+        </a:xfrm>
+      </p:grpSpPr>
+      <p:pic>
+        <p:nvPicPr>
+          <p:cNvPr id="3" name="Picture 2">
+            <a:extLst>
+              <a:ext uri="{FF2B5EF4-FFF2-40B4-BE49-F238E27FC236}">
                 <a16:creationId xmlns:a16="http://schemas.microsoft.com/office/drawing/2014/main" id="{9E3BBDE7-911E-F032-83B7-AA78EC3C758C}"/>
               </a:ext>
             </a:extLst>
@@ -3605,7 +3672,7 @@
 </p:sld>
 </file>
 
-<file path=ppt/slides/slide13.xml><?xml version="1.0" encoding="utf-8"?>
+<file path=ppt/slides/slide14.xml><?xml version="1.0" encoding="utf-8"?>
 <p:sld xmlns:a="http://schemas.openxmlformats.org/drawingml/2006/main" xmlns:r="http://schemas.openxmlformats.org/officeDocument/2006/relationships" xmlns:p="http://schemas.openxmlformats.org/presentationml/2006/main">
   <p:cSld>
     <p:spTree>
